--- a/images/icon.pptx
+++ b/images/icon.pptx
@@ -5,11 +5,7 @@
     <p:sldMasterId id="2147483648" r:id="rId1"/>
   </p:sldMasterIdLst>
   <p:sldIdLst>
-    <p:sldId id="256" r:id="rId2"/>
-    <p:sldId id="257" r:id="rId3"/>
-    <p:sldId id="258" r:id="rId4"/>
-    <p:sldId id="259" r:id="rId5"/>
-    <p:sldId id="260" r:id="rId6"/>
+    <p:sldId id="260" r:id="rId2"/>
   </p:sldIdLst>
   <p:sldSz cx="12192000" cy="6858000"/>
   <p:notesSz cx="6858000" cy="9144000"/>
@@ -108,6 +104,11 @@
       </a:defRPr>
     </a:lvl9pPr>
   </p:defaultTextStyle>
+  <p:extLst>
+    <p:ext uri="{EFAFB233-063F-42B5-8137-9DF3F51BA10A}">
+      <p15:sldGuideLst xmlns:p15="http://schemas.microsoft.com/office/powerpoint/2012/main"/>
+    </p:ext>
+  </p:extLst>
 </p:presentation>
 </file>
 
@@ -3346,934 +3347,6 @@
           <a:chExt cx="0" cy="0"/>
         </a:xfrm>
       </p:grpSpPr>
-      <p:pic>
-        <p:nvPicPr>
-          <p:cNvPr id="5" name="Picture 4">
-            <a:extLst>
-              <a:ext uri="{FF2B5EF4-FFF2-40B4-BE49-F238E27FC236}">
-                <a16:creationId xmlns:a16="http://schemas.microsoft.com/office/drawing/2014/main" id="{411014CD-54F8-75C9-6E89-A88008A40739}"/>
-              </a:ext>
-            </a:extLst>
-          </p:cNvPr>
-          <p:cNvPicPr>
-            <a:picLocks noChangeAspect="1"/>
-          </p:cNvPicPr>
-          <p:nvPr/>
-        </p:nvPicPr>
-        <p:blipFill>
-          <a:blip r:embed="rId2"/>
-          <a:stretch>
-            <a:fillRect/>
-          </a:stretch>
-        </p:blipFill>
-        <p:spPr>
-          <a:xfrm>
-            <a:off x="6695440" y="807720"/>
-            <a:ext cx="4876800" cy="4876800"/>
-          </a:xfrm>
-          <a:prstGeom prst="rect">
-            <a:avLst/>
-          </a:prstGeom>
-        </p:spPr>
-      </p:pic>
-      <p:pic>
-        <p:nvPicPr>
-          <p:cNvPr id="7" name="Picture 6">
-            <a:extLst>
-              <a:ext uri="{FF2B5EF4-FFF2-40B4-BE49-F238E27FC236}">
-                <a16:creationId xmlns:a16="http://schemas.microsoft.com/office/drawing/2014/main" id="{56957C28-39E6-D8DF-F687-9A5A1C80277C}"/>
-              </a:ext>
-            </a:extLst>
-          </p:cNvPr>
-          <p:cNvPicPr>
-            <a:picLocks noChangeAspect="1"/>
-          </p:cNvPicPr>
-          <p:nvPr/>
-        </p:nvPicPr>
-        <p:blipFill>
-          <a:blip r:embed="rId3"/>
-          <a:stretch>
-            <a:fillRect/>
-          </a:stretch>
-        </p:blipFill>
-        <p:spPr>
-          <a:xfrm>
-            <a:off x="111760" y="807720"/>
-            <a:ext cx="4876800" cy="4876800"/>
-          </a:xfrm>
-          <a:prstGeom prst="rect">
-            <a:avLst/>
-          </a:prstGeom>
-        </p:spPr>
-      </p:pic>
-    </p:spTree>
-    <p:extLst>
-      <p:ext uri="{BB962C8B-B14F-4D97-AF65-F5344CB8AC3E}">
-        <p14:creationId xmlns:p14="http://schemas.microsoft.com/office/powerpoint/2010/main" val="1158601248"/>
-      </p:ext>
-    </p:extLst>
-  </p:cSld>
-  <p:clrMapOvr>
-    <a:masterClrMapping/>
-  </p:clrMapOvr>
-</p:sld>
-</file>
-
-<file path=ppt/slides/slide2.xml><?xml version="1.0" encoding="utf-8"?>
-<p:sld xmlns:a="http://schemas.openxmlformats.org/drawingml/2006/main" xmlns:r="http://schemas.openxmlformats.org/officeDocument/2006/relationships" xmlns:p="http://schemas.openxmlformats.org/presentationml/2006/main">
-  <p:cSld>
-    <p:spTree>
-      <p:nvGrpSpPr>
-        <p:cNvPr id="1" name=""/>
-        <p:cNvGrpSpPr/>
-        <p:nvPr/>
-      </p:nvGrpSpPr>
-      <p:grpSpPr>
-        <a:xfrm>
-          <a:off x="0" y="0"/>
-          <a:ext cx="0" cy="0"/>
-          <a:chOff x="0" y="0"/>
-          <a:chExt cx="0" cy="0"/>
-        </a:xfrm>
-      </p:grpSpPr>
-      <p:grpSp>
-        <p:nvGrpSpPr>
-          <p:cNvPr id="7" name="Group 6">
-            <a:extLst>
-              <a:ext uri="{FF2B5EF4-FFF2-40B4-BE49-F238E27FC236}">
-                <a16:creationId xmlns:a16="http://schemas.microsoft.com/office/drawing/2014/main" id="{BF8C0AE5-064D-571A-CDD8-0924DE406445}"/>
-              </a:ext>
-            </a:extLst>
-          </p:cNvPr>
-          <p:cNvGrpSpPr/>
-          <p:nvPr/>
-        </p:nvGrpSpPr>
-        <p:grpSpPr>
-          <a:xfrm>
-            <a:off x="709146" y="905969"/>
-            <a:ext cx="6259062" cy="5670173"/>
-            <a:chOff x="3020546" y="423369"/>
-            <a:chExt cx="6259062" cy="5670173"/>
-          </a:xfrm>
-        </p:grpSpPr>
-        <p:pic>
-          <p:nvPicPr>
-            <p:cNvPr id="4" name="Picture 3">
-              <a:extLst>
-                <a:ext uri="{FF2B5EF4-FFF2-40B4-BE49-F238E27FC236}">
-                  <a16:creationId xmlns:a16="http://schemas.microsoft.com/office/drawing/2014/main" id="{46840695-6E3C-BC73-149A-A70EB84D3770}"/>
-                </a:ext>
-              </a:extLst>
-            </p:cNvPr>
-            <p:cNvPicPr>
-              <a:picLocks noChangeAspect="1"/>
-            </p:cNvPicPr>
-            <p:nvPr/>
-          </p:nvPicPr>
-          <p:blipFill>
-            <a:blip r:embed="rId2">
-              <a:duotone>
-                <a:schemeClr val="accent4">
-                  <a:shade val="45000"/>
-                  <a:satMod val="135000"/>
-                </a:schemeClr>
-                <a:prstClr val="white"/>
-              </a:duotone>
-            </a:blip>
-            <a:stretch>
-              <a:fillRect/>
-            </a:stretch>
-          </p:blipFill>
-          <p:spPr>
-            <a:xfrm>
-              <a:off x="3020546" y="423369"/>
-              <a:ext cx="4876800" cy="4876800"/>
-            </a:xfrm>
-            <a:prstGeom prst="rect">
-              <a:avLst/>
-            </a:prstGeom>
-          </p:spPr>
-        </p:pic>
-        <p:pic>
-          <p:nvPicPr>
-            <p:cNvPr id="6" name="Picture 5">
-              <a:extLst>
-                <a:ext uri="{FF2B5EF4-FFF2-40B4-BE49-F238E27FC236}">
-                  <a16:creationId xmlns:a16="http://schemas.microsoft.com/office/drawing/2014/main" id="{2198EC82-BF7C-B087-1520-389EB33D0E45}"/>
-                </a:ext>
-              </a:extLst>
-            </p:cNvPr>
-            <p:cNvPicPr>
-              <a:picLocks noChangeAspect="1"/>
-            </p:cNvPicPr>
-            <p:nvPr/>
-          </p:nvPicPr>
-          <p:blipFill>
-            <a:blip r:embed="rId3">
-              <a:alphaModFix amt="20000"/>
-              <a:extLst>
-                <a:ext uri="{BEBA8EAE-BF5A-486C-A8C5-ECC9F3942E4B}">
-                  <a14:imgProps xmlns:a14="http://schemas.microsoft.com/office/drawing/2010/main">
-                    <a14:imgLayer r:embed="rId4">
-                      <a14:imgEffect>
-                        <a14:saturation sat="66000"/>
-                      </a14:imgEffect>
-                    </a14:imgLayer>
-                  </a14:imgProps>
-                </a:ext>
-              </a:extLst>
-            </a:blip>
-            <a:stretch>
-              <a:fillRect/>
-            </a:stretch>
-          </p:blipFill>
-          <p:spPr>
-            <a:xfrm>
-              <a:off x="5111541" y="1837258"/>
-              <a:ext cx="3183484" cy="3183484"/>
-            </a:xfrm>
-            <a:prstGeom prst="rect">
-              <a:avLst/>
-            </a:prstGeom>
-            <a:scene3d>
-              <a:camera prst="isometricRightUp"/>
-              <a:lightRig rig="threePt" dir="t"/>
-            </a:scene3d>
-          </p:spPr>
-        </p:pic>
-        <p:pic>
-          <p:nvPicPr>
-            <p:cNvPr id="5" name="Picture 4">
-              <a:extLst>
-                <a:ext uri="{FF2B5EF4-FFF2-40B4-BE49-F238E27FC236}">
-                  <a16:creationId xmlns:a16="http://schemas.microsoft.com/office/drawing/2014/main" id="{3AB94821-0567-3135-3135-0282CABB1E87}"/>
-                </a:ext>
-              </a:extLst>
-            </p:cNvPr>
-            <p:cNvPicPr>
-              <a:picLocks noChangeAspect="1"/>
-            </p:cNvPicPr>
-            <p:nvPr/>
-          </p:nvPicPr>
-          <p:blipFill>
-            <a:blip r:embed="rId5">
-              <a:extLst>
-                <a:ext uri="{BEBA8EAE-BF5A-486C-A8C5-ECC9F3942E4B}">
-                  <a14:imgProps xmlns:a14="http://schemas.microsoft.com/office/drawing/2010/main">
-                    <a14:imgLayer r:embed="rId4">
-                      <a14:imgEffect>
-                        <a14:colorTemperature colorTemp="4700"/>
-                      </a14:imgEffect>
-                    </a14:imgLayer>
-                  </a14:imgProps>
-                </a:ext>
-              </a:extLst>
-            </a:blip>
-            <a:stretch>
-              <a:fillRect/>
-            </a:stretch>
-          </p:blipFill>
-          <p:spPr>
-            <a:xfrm>
-              <a:off x="4402808" y="1216742"/>
-              <a:ext cx="4876800" cy="4876800"/>
-            </a:xfrm>
-            <a:prstGeom prst="rect">
-              <a:avLst/>
-            </a:prstGeom>
-            <a:scene3d>
-              <a:camera prst="isometricRightUp"/>
-              <a:lightRig rig="threePt" dir="t"/>
-            </a:scene3d>
-          </p:spPr>
-        </p:pic>
-      </p:grpSp>
-    </p:spTree>
-    <p:extLst>
-      <p:ext uri="{BB962C8B-B14F-4D97-AF65-F5344CB8AC3E}">
-        <p14:creationId xmlns:p14="http://schemas.microsoft.com/office/powerpoint/2010/main" val="2756657213"/>
-      </p:ext>
-    </p:extLst>
-  </p:cSld>
-  <p:clrMapOvr>
-    <a:masterClrMapping/>
-  </p:clrMapOvr>
-</p:sld>
-</file>
-
-<file path=ppt/slides/slide3.xml><?xml version="1.0" encoding="utf-8"?>
-<p:sld xmlns:a="http://schemas.openxmlformats.org/drawingml/2006/main" xmlns:r="http://schemas.openxmlformats.org/officeDocument/2006/relationships" xmlns:p="http://schemas.openxmlformats.org/presentationml/2006/main">
-  <p:cSld>
-    <p:spTree>
-      <p:nvGrpSpPr>
-        <p:cNvPr id="1" name=""/>
-        <p:cNvGrpSpPr/>
-        <p:nvPr/>
-      </p:nvGrpSpPr>
-      <p:grpSpPr>
-        <a:xfrm>
-          <a:off x="0" y="0"/>
-          <a:ext cx="0" cy="0"/>
-          <a:chOff x="0" y="0"/>
-          <a:chExt cx="0" cy="0"/>
-        </a:xfrm>
-      </p:grpSpPr>
-      <p:pic>
-        <p:nvPicPr>
-          <p:cNvPr id="8" name="Picture 7">
-            <a:extLst>
-              <a:ext uri="{FF2B5EF4-FFF2-40B4-BE49-F238E27FC236}">
-                <a16:creationId xmlns:a16="http://schemas.microsoft.com/office/drawing/2014/main" id="{851B9096-9D23-B936-49FE-2DC0510DD19F}"/>
-              </a:ext>
-            </a:extLst>
-          </p:cNvPr>
-          <p:cNvPicPr>
-            <a:picLocks noChangeAspect="1"/>
-          </p:cNvPicPr>
-          <p:nvPr/>
-        </p:nvPicPr>
-        <p:blipFill>
-          <a:blip r:embed="rId2"/>
-          <a:srcRect b="9195"/>
-          <a:stretch/>
-        </p:blipFill>
-        <p:spPr>
-          <a:xfrm>
-            <a:off x="7046652" y="933651"/>
-            <a:ext cx="1705608" cy="1735574"/>
-          </a:xfrm>
-          <a:prstGeom prst="rect">
-            <a:avLst/>
-          </a:prstGeom>
-        </p:spPr>
-      </p:pic>
-      <p:pic>
-        <p:nvPicPr>
-          <p:cNvPr id="9" name="Picture 8">
-            <a:extLst>
-              <a:ext uri="{FF2B5EF4-FFF2-40B4-BE49-F238E27FC236}">
-                <a16:creationId xmlns:a16="http://schemas.microsoft.com/office/drawing/2014/main" id="{1BB8129B-93FB-1C4C-06A9-4FF0A6BD11A0}"/>
-              </a:ext>
-            </a:extLst>
-          </p:cNvPr>
-          <p:cNvPicPr>
-            <a:picLocks noChangeAspect="1"/>
-          </p:cNvPicPr>
-          <p:nvPr/>
-        </p:nvPicPr>
-        <p:blipFill>
-          <a:blip r:embed="rId2"/>
-          <a:srcRect b="9195"/>
-          <a:stretch/>
-        </p:blipFill>
-        <p:spPr>
-          <a:xfrm>
-            <a:off x="3811288" y="3429000"/>
-            <a:ext cx="1447238" cy="1472665"/>
-          </a:xfrm>
-          <a:prstGeom prst="rect">
-            <a:avLst/>
-          </a:prstGeom>
-        </p:spPr>
-      </p:pic>
-      <p:sp>
-        <p:nvSpPr>
-          <p:cNvPr id="10" name="TextBox 9">
-            <a:extLst>
-              <a:ext uri="{FF2B5EF4-FFF2-40B4-BE49-F238E27FC236}">
-                <a16:creationId xmlns:a16="http://schemas.microsoft.com/office/drawing/2014/main" id="{F1ABD344-47C1-655C-DF3D-130A4DA9369E}"/>
-              </a:ext>
-            </a:extLst>
-          </p:cNvPr>
-          <p:cNvSpPr txBox="1"/>
-          <p:nvPr/>
-        </p:nvSpPr>
-        <p:spPr>
-          <a:xfrm>
-            <a:off x="597738" y="3978335"/>
-            <a:ext cx="4151381" cy="923330"/>
-          </a:xfrm>
-          <a:prstGeom prst="rect">
-            <a:avLst/>
-          </a:prstGeom>
-          <a:noFill/>
-        </p:spPr>
-        <p:txBody>
-          <a:bodyPr wrap="square" rtlCol="0">
-            <a:spAutoFit/>
-          </a:bodyPr>
-          <a:lstStyle/>
-          <a:p>
-            <a:r>
-              <a:rPr lang="en-US" altLang="zh-CN" sz="5400">
-                <a:latin typeface="Lucida Calligraphy" panose="03010101010101010101" pitchFamily="66" charset="0"/>
-                <a:ea typeface="Cambria" panose="02040503050406030204" pitchFamily="18" charset="0"/>
-              </a:rPr>
-              <a:t>Easy</a:t>
-            </a:r>
-            <a:r>
-              <a:rPr lang="en-US" altLang="zh-CN" sz="5400">
-                <a:solidFill>
-                  <a:srgbClr val="1B5FFF"/>
-                </a:solidFill>
-                <a:latin typeface="Magneto" panose="04030805050802020D02" pitchFamily="82" charset="0"/>
-                <a:ea typeface="Cambria" panose="02040503050406030204" pitchFamily="18" charset="0"/>
-              </a:rPr>
-              <a:t>API</a:t>
-            </a:r>
-            <a:endParaRPr lang="zh-CN" altLang="en-US" sz="5400" dirty="0">
-              <a:solidFill>
-                <a:srgbClr val="1B5FFF"/>
-              </a:solidFill>
-              <a:latin typeface="Magneto" panose="04030805050802020D02" pitchFamily="82" charset="0"/>
-            </a:endParaRPr>
-          </a:p>
-        </p:txBody>
-      </p:sp>
-      <p:sp>
-        <p:nvSpPr>
-          <p:cNvPr id="12" name="TextBox 11">
-            <a:extLst>
-              <a:ext uri="{FF2B5EF4-FFF2-40B4-BE49-F238E27FC236}">
-                <a16:creationId xmlns:a16="http://schemas.microsoft.com/office/drawing/2014/main" id="{20C1C8D1-1584-E4C2-D289-EFD62D9169E4}"/>
-              </a:ext>
-            </a:extLst>
-          </p:cNvPr>
-          <p:cNvSpPr txBox="1"/>
-          <p:nvPr/>
-        </p:nvSpPr>
-        <p:spPr>
-          <a:xfrm>
-            <a:off x="5988198" y="1801438"/>
-            <a:ext cx="1883342" cy="830997"/>
-          </a:xfrm>
-          <a:prstGeom prst="rect">
-            <a:avLst/>
-          </a:prstGeom>
-          <a:noFill/>
-        </p:spPr>
-        <p:txBody>
-          <a:bodyPr wrap="square">
-            <a:spAutoFit/>
-          </a:bodyPr>
-          <a:lstStyle/>
-          <a:p>
-            <a:r>
-              <a:rPr lang="en-US" altLang="zh-CN" sz="4800" dirty="0">
-                <a:solidFill>
-                  <a:srgbClr val="1B5FFF"/>
-                </a:solidFill>
-                <a:latin typeface="Magneto" panose="04030805050802020D02" pitchFamily="82" charset="0"/>
-                <a:ea typeface="Cambria" panose="02040503050406030204" pitchFamily="18" charset="0"/>
-              </a:rPr>
-              <a:t>API</a:t>
-            </a:r>
-            <a:endParaRPr lang="zh-CN" altLang="en-US" sz="4800" dirty="0">
-              <a:solidFill>
-                <a:srgbClr val="1B5FFF"/>
-              </a:solidFill>
-              <a:latin typeface="Magneto" panose="04030805050802020D02" pitchFamily="82" charset="0"/>
-            </a:endParaRPr>
-          </a:p>
-        </p:txBody>
-      </p:sp>
-      <p:sp>
-        <p:nvSpPr>
-          <p:cNvPr id="14" name="TextBox 13">
-            <a:extLst>
-              <a:ext uri="{FF2B5EF4-FFF2-40B4-BE49-F238E27FC236}">
-                <a16:creationId xmlns:a16="http://schemas.microsoft.com/office/drawing/2014/main" id="{C9835A27-5060-DB4E-81B8-4D0365924EDF}"/>
-              </a:ext>
-            </a:extLst>
-          </p:cNvPr>
-          <p:cNvSpPr txBox="1"/>
-          <p:nvPr/>
-        </p:nvSpPr>
-        <p:spPr>
-          <a:xfrm>
-            <a:off x="3597697" y="1326477"/>
-            <a:ext cx="2745606" cy="1200329"/>
-          </a:xfrm>
-          <a:prstGeom prst="rect">
-            <a:avLst/>
-          </a:prstGeom>
-          <a:noFill/>
-        </p:spPr>
-        <p:txBody>
-          <a:bodyPr wrap="square">
-            <a:spAutoFit/>
-          </a:bodyPr>
-          <a:lstStyle/>
-          <a:p>
-            <a:r>
-              <a:rPr lang="en-US" altLang="zh-CN" sz="7200" b="1" dirty="0">
-                <a:latin typeface="Lucida Calligraphy" panose="03010101010101010101" pitchFamily="66" charset="0"/>
-                <a:ea typeface="Cambria" panose="02040503050406030204" pitchFamily="18" charset="0"/>
-              </a:rPr>
-              <a:t>Easy</a:t>
-            </a:r>
-            <a:endParaRPr lang="zh-CN" altLang="en-US" sz="7200" b="1" dirty="0"/>
-          </a:p>
-        </p:txBody>
-      </p:sp>
-    </p:spTree>
-    <p:extLst>
-      <p:ext uri="{BB962C8B-B14F-4D97-AF65-F5344CB8AC3E}">
-        <p14:creationId xmlns:p14="http://schemas.microsoft.com/office/powerpoint/2010/main" val="2311134017"/>
-      </p:ext>
-    </p:extLst>
-  </p:cSld>
-  <p:clrMapOvr>
-    <a:masterClrMapping/>
-  </p:clrMapOvr>
-</p:sld>
-</file>
-
-<file path=ppt/slides/slide4.xml><?xml version="1.0" encoding="utf-8"?>
-<p:sld xmlns:a="http://schemas.openxmlformats.org/drawingml/2006/main" xmlns:r="http://schemas.openxmlformats.org/officeDocument/2006/relationships" xmlns:p="http://schemas.openxmlformats.org/presentationml/2006/main">
-  <p:cSld>
-    <p:spTree>
-      <p:nvGrpSpPr>
-        <p:cNvPr id="1" name=""/>
-        <p:cNvGrpSpPr/>
-        <p:nvPr/>
-      </p:nvGrpSpPr>
-      <p:grpSpPr>
-        <a:xfrm>
-          <a:off x="0" y="0"/>
-          <a:ext cx="0" cy="0"/>
-          <a:chOff x="0" y="0"/>
-          <a:chExt cx="0" cy="0"/>
-        </a:xfrm>
-      </p:grpSpPr>
-      <p:grpSp>
-        <p:nvGrpSpPr>
-          <p:cNvPr id="14" name="Group 13">
-            <a:extLst>
-              <a:ext uri="{FF2B5EF4-FFF2-40B4-BE49-F238E27FC236}">
-                <a16:creationId xmlns:a16="http://schemas.microsoft.com/office/drawing/2014/main" id="{14D0D1AF-D547-527B-8343-EB34624C4B63}"/>
-              </a:ext>
-            </a:extLst>
-          </p:cNvPr>
-          <p:cNvGrpSpPr/>
-          <p:nvPr/>
-        </p:nvGrpSpPr>
-        <p:grpSpPr>
-          <a:xfrm>
-            <a:off x="3249073" y="2575757"/>
-            <a:ext cx="5173032" cy="1987196"/>
-            <a:chOff x="3249073" y="2575757"/>
-            <a:chExt cx="5173032" cy="1987196"/>
-          </a:xfrm>
-        </p:grpSpPr>
-        <p:grpSp>
-          <p:nvGrpSpPr>
-            <p:cNvPr id="7" name="Group 6">
-              <a:extLst>
-                <a:ext uri="{FF2B5EF4-FFF2-40B4-BE49-F238E27FC236}">
-                  <a16:creationId xmlns:a16="http://schemas.microsoft.com/office/drawing/2014/main" id="{255AB605-E6C0-915A-7421-0FBEBB0E45E1}"/>
-                </a:ext>
-              </a:extLst>
-            </p:cNvPr>
-            <p:cNvGrpSpPr/>
-            <p:nvPr/>
-          </p:nvGrpSpPr>
-          <p:grpSpPr>
-            <a:xfrm>
-              <a:off x="5654522" y="2575757"/>
-              <a:ext cx="2767583" cy="1987196"/>
-              <a:chOff x="4306343" y="2327327"/>
-              <a:chExt cx="2767583" cy="1987196"/>
-            </a:xfrm>
-          </p:grpSpPr>
-          <p:pic>
-            <p:nvPicPr>
-              <p:cNvPr id="8" name="Picture 7">
-                <a:extLst>
-                  <a:ext uri="{FF2B5EF4-FFF2-40B4-BE49-F238E27FC236}">
-                    <a16:creationId xmlns:a16="http://schemas.microsoft.com/office/drawing/2014/main" id="{9A375A0F-F481-6991-B62D-488DD628A7E6}"/>
-                  </a:ext>
-                </a:extLst>
-              </p:cNvPr>
-              <p:cNvPicPr>
-                <a:picLocks noChangeAspect="1"/>
-              </p:cNvPicPr>
-              <p:nvPr/>
-            </p:nvPicPr>
-            <p:blipFill>
-              <a:blip r:embed="rId2">
-                <a:extLst>
-                  <a:ext uri="{BEBA8EAE-BF5A-486C-A8C5-ECC9F3942E4B}">
-                    <a14:imgProps xmlns:a14="http://schemas.microsoft.com/office/drawing/2010/main">
-                      <a14:imgLayer r:embed="rId3">
-                        <a14:imgEffect>
-                          <a14:colorTemperature colorTemp="4700"/>
-                        </a14:imgEffect>
-                      </a14:imgLayer>
-                    </a14:imgProps>
-                  </a:ext>
-                </a:extLst>
-              </a:blip>
-              <a:srcRect b="31227"/>
-              <a:stretch/>
-            </p:blipFill>
-            <p:spPr>
-              <a:xfrm>
-                <a:off x="5254081" y="2327327"/>
-                <a:ext cx="1606837" cy="1105079"/>
-              </a:xfrm>
-              <a:prstGeom prst="rect">
-                <a:avLst/>
-              </a:prstGeom>
-            </p:spPr>
-          </p:pic>
-          <p:sp>
-            <p:nvSpPr>
-              <p:cNvPr id="9" name="TextBox 8">
-                <a:extLst>
-                  <a:ext uri="{FF2B5EF4-FFF2-40B4-BE49-F238E27FC236}">
-                    <a16:creationId xmlns:a16="http://schemas.microsoft.com/office/drawing/2014/main" id="{374019BB-2CEA-D60D-D69C-565918F49A37}"/>
-                  </a:ext>
-                </a:extLst>
-              </p:cNvPr>
-              <p:cNvSpPr txBox="1"/>
-              <p:nvPr/>
-            </p:nvSpPr>
-            <p:spPr>
-              <a:xfrm>
-                <a:off x="4306343" y="3114194"/>
-                <a:ext cx="2767583" cy="1200329"/>
-              </a:xfrm>
-              <a:prstGeom prst="rect">
-                <a:avLst/>
-              </a:prstGeom>
-              <a:noFill/>
-            </p:spPr>
-            <p:txBody>
-              <a:bodyPr wrap="square">
-                <a:spAutoFit/>
-              </a:bodyPr>
-              <a:lstStyle/>
-              <a:p>
-                <a:pPr algn="ctr"/>
-                <a:r>
-                  <a:rPr lang="en-US" altLang="zh-CN" sz="7200" dirty="0">
-                    <a:solidFill>
-                      <a:srgbClr val="1B5FFF"/>
-                    </a:solidFill>
-                    <a:latin typeface="Magneto" panose="04030805050802020D02" pitchFamily="82" charset="0"/>
-                    <a:ea typeface="Cambria" panose="02040503050406030204" pitchFamily="18" charset="0"/>
-                  </a:rPr>
-                  <a:t>API</a:t>
-                </a:r>
-                <a:endParaRPr lang="zh-CN" altLang="en-US" sz="7200" dirty="0">
-                  <a:solidFill>
-                    <a:srgbClr val="1B5FFF"/>
-                  </a:solidFill>
-                  <a:latin typeface="Magneto" panose="04030805050802020D02" pitchFamily="82" charset="0"/>
-                </a:endParaRPr>
-              </a:p>
-            </p:txBody>
-          </p:sp>
-        </p:grpSp>
-        <p:sp>
-          <p:nvSpPr>
-            <p:cNvPr id="10" name="TextBox 9">
-              <a:extLst>
-                <a:ext uri="{FF2B5EF4-FFF2-40B4-BE49-F238E27FC236}">
-                  <a16:creationId xmlns:a16="http://schemas.microsoft.com/office/drawing/2014/main" id="{5560FE6B-668B-757A-B013-C25E9C4D1206}"/>
-                </a:ext>
-              </a:extLst>
-            </p:cNvPr>
-            <p:cNvSpPr txBox="1"/>
-            <p:nvPr/>
-          </p:nvSpPr>
-          <p:spPr>
-            <a:xfrm>
-              <a:off x="3249073" y="3266371"/>
-              <a:ext cx="2879318" cy="1200329"/>
-            </a:xfrm>
-            <a:prstGeom prst="rect">
-              <a:avLst/>
-            </a:prstGeom>
-            <a:noFill/>
-          </p:spPr>
-          <p:txBody>
-            <a:bodyPr wrap="square">
-              <a:spAutoFit/>
-            </a:bodyPr>
-            <a:lstStyle/>
-            <a:p>
-              <a:r>
-                <a:rPr lang="en-US" altLang="zh-CN" sz="7200" b="1" dirty="0">
-                  <a:solidFill>
-                    <a:srgbClr val="002060"/>
-                  </a:solidFill>
-                  <a:latin typeface="Lucida Calligraphy" panose="03010101010101010101" pitchFamily="66" charset="0"/>
-                  <a:ea typeface="Cambria" panose="02040503050406030204" pitchFamily="18" charset="0"/>
-                </a:rPr>
-                <a:t>Easy</a:t>
-              </a:r>
-              <a:endParaRPr lang="zh-CN" altLang="en-US" sz="7200" b="1" dirty="0">
-                <a:solidFill>
-                  <a:srgbClr val="002060"/>
-                </a:solidFill>
-                <a:latin typeface="Lucida Calligraphy" panose="03010101010101010101" pitchFamily="66" charset="0"/>
-              </a:endParaRPr>
-            </a:p>
-          </p:txBody>
-        </p:sp>
-      </p:grpSp>
-      <p:grpSp>
-        <p:nvGrpSpPr>
-          <p:cNvPr id="11" name="Group 10">
-            <a:extLst>
-              <a:ext uri="{FF2B5EF4-FFF2-40B4-BE49-F238E27FC236}">
-                <a16:creationId xmlns:a16="http://schemas.microsoft.com/office/drawing/2014/main" id="{1641D30A-55AD-625D-F757-498F31EC75E0}"/>
-              </a:ext>
-            </a:extLst>
-          </p:cNvPr>
-          <p:cNvGrpSpPr/>
-          <p:nvPr/>
-        </p:nvGrpSpPr>
-        <p:grpSpPr>
-          <a:xfrm>
-            <a:off x="8209097" y="365987"/>
-            <a:ext cx="2767583" cy="1987196"/>
-            <a:chOff x="4306343" y="2327327"/>
-            <a:chExt cx="2767583" cy="1987196"/>
-          </a:xfrm>
-        </p:grpSpPr>
-        <p:pic>
-          <p:nvPicPr>
-            <p:cNvPr id="12" name="Picture 11">
-              <a:extLst>
-                <a:ext uri="{FF2B5EF4-FFF2-40B4-BE49-F238E27FC236}">
-                  <a16:creationId xmlns:a16="http://schemas.microsoft.com/office/drawing/2014/main" id="{0D6F62ED-25D1-6E7E-63C6-D3200F4FF20F}"/>
-                </a:ext>
-              </a:extLst>
-            </p:cNvPr>
-            <p:cNvPicPr>
-              <a:picLocks noChangeAspect="1"/>
-            </p:cNvPicPr>
-            <p:nvPr/>
-          </p:nvPicPr>
-          <p:blipFill>
-            <a:blip r:embed="rId2">
-              <a:extLst>
-                <a:ext uri="{BEBA8EAE-BF5A-486C-A8C5-ECC9F3942E4B}">
-                  <a14:imgProps xmlns:a14="http://schemas.microsoft.com/office/drawing/2010/main">
-                    <a14:imgLayer r:embed="rId3">
-                      <a14:imgEffect>
-                        <a14:colorTemperature colorTemp="4700"/>
-                      </a14:imgEffect>
-                    </a14:imgLayer>
-                  </a14:imgProps>
-                </a:ext>
-              </a:extLst>
-            </a:blip>
-            <a:srcRect b="31227"/>
-            <a:stretch/>
-          </p:blipFill>
-          <p:spPr>
-            <a:xfrm>
-              <a:off x="5254081" y="2327327"/>
-              <a:ext cx="1606837" cy="1105079"/>
-            </a:xfrm>
-            <a:prstGeom prst="rect">
-              <a:avLst/>
-            </a:prstGeom>
-          </p:spPr>
-        </p:pic>
-        <p:sp>
-          <p:nvSpPr>
-            <p:cNvPr id="13" name="TextBox 12">
-              <a:extLst>
-                <a:ext uri="{FF2B5EF4-FFF2-40B4-BE49-F238E27FC236}">
-                  <a16:creationId xmlns:a16="http://schemas.microsoft.com/office/drawing/2014/main" id="{9A55046C-0BE4-06D2-DCE9-55A7434B0B70}"/>
-                </a:ext>
-              </a:extLst>
-            </p:cNvPr>
-            <p:cNvSpPr txBox="1"/>
-            <p:nvPr/>
-          </p:nvSpPr>
-          <p:spPr>
-            <a:xfrm>
-              <a:off x="4306343" y="3114194"/>
-              <a:ext cx="2767583" cy="1200329"/>
-            </a:xfrm>
-            <a:prstGeom prst="rect">
-              <a:avLst/>
-            </a:prstGeom>
-            <a:noFill/>
-          </p:spPr>
-          <p:txBody>
-            <a:bodyPr wrap="square">
-              <a:spAutoFit/>
-            </a:bodyPr>
-            <a:lstStyle/>
-            <a:p>
-              <a:pPr algn="ctr"/>
-              <a:r>
-                <a:rPr lang="en-US" altLang="zh-CN" sz="7200" dirty="0">
-                  <a:solidFill>
-                    <a:srgbClr val="1B5FFF"/>
-                  </a:solidFill>
-                  <a:latin typeface="Magneto" panose="04030805050802020D02" pitchFamily="82" charset="0"/>
-                  <a:ea typeface="Cambria" panose="02040503050406030204" pitchFamily="18" charset="0"/>
-                </a:rPr>
-                <a:t>API</a:t>
-              </a:r>
-              <a:endParaRPr lang="zh-CN" altLang="en-US" sz="7200" dirty="0">
-                <a:solidFill>
-                  <a:srgbClr val="1B5FFF"/>
-                </a:solidFill>
-                <a:latin typeface="Magneto" panose="04030805050802020D02" pitchFamily="82" charset="0"/>
-              </a:endParaRPr>
-            </a:p>
-          </p:txBody>
-        </p:sp>
-      </p:grpSp>
-      <p:grpSp>
-        <p:nvGrpSpPr>
-          <p:cNvPr id="15" name="Group 14">
-            <a:extLst>
-              <a:ext uri="{FF2B5EF4-FFF2-40B4-BE49-F238E27FC236}">
-                <a16:creationId xmlns:a16="http://schemas.microsoft.com/office/drawing/2014/main" id="{3A34DAF6-5F10-8C57-29E9-C141C8376D20}"/>
-              </a:ext>
-            </a:extLst>
-          </p:cNvPr>
-          <p:cNvGrpSpPr/>
-          <p:nvPr/>
-        </p:nvGrpSpPr>
-        <p:grpSpPr>
-          <a:xfrm>
-            <a:off x="1215320" y="365987"/>
-            <a:ext cx="2767583" cy="1987196"/>
-            <a:chOff x="4306343" y="2327327"/>
-            <a:chExt cx="2767583" cy="1987196"/>
-          </a:xfrm>
-        </p:grpSpPr>
-        <p:pic>
-          <p:nvPicPr>
-            <p:cNvPr id="16" name="Picture 15">
-              <a:extLst>
-                <a:ext uri="{FF2B5EF4-FFF2-40B4-BE49-F238E27FC236}">
-                  <a16:creationId xmlns:a16="http://schemas.microsoft.com/office/drawing/2014/main" id="{DE7FE814-AA65-B093-851E-9A35EB582429}"/>
-                </a:ext>
-              </a:extLst>
-            </p:cNvPr>
-            <p:cNvPicPr>
-              <a:picLocks noChangeAspect="1"/>
-            </p:cNvPicPr>
-            <p:nvPr/>
-          </p:nvPicPr>
-          <p:blipFill>
-            <a:blip r:embed="rId2">
-              <a:extLst>
-                <a:ext uri="{BEBA8EAE-BF5A-486C-A8C5-ECC9F3942E4B}">
-                  <a14:imgProps xmlns:a14="http://schemas.microsoft.com/office/drawing/2010/main">
-                    <a14:imgLayer r:embed="rId3">
-                      <a14:imgEffect>
-                        <a14:colorTemperature colorTemp="4700"/>
-                      </a14:imgEffect>
-                    </a14:imgLayer>
-                  </a14:imgProps>
-                </a:ext>
-              </a:extLst>
-            </a:blip>
-            <a:srcRect b="31227"/>
-            <a:stretch/>
-          </p:blipFill>
-          <p:spPr>
-            <a:xfrm>
-              <a:off x="5254081" y="2327327"/>
-              <a:ext cx="1606837" cy="1105079"/>
-            </a:xfrm>
-            <a:prstGeom prst="rect">
-              <a:avLst/>
-            </a:prstGeom>
-          </p:spPr>
-        </p:pic>
-        <p:sp>
-          <p:nvSpPr>
-            <p:cNvPr id="17" name="TextBox 16">
-              <a:extLst>
-                <a:ext uri="{FF2B5EF4-FFF2-40B4-BE49-F238E27FC236}">
-                  <a16:creationId xmlns:a16="http://schemas.microsoft.com/office/drawing/2014/main" id="{197D87C5-52AA-A806-F633-6BA7EF1326C0}"/>
-                </a:ext>
-              </a:extLst>
-            </p:cNvPr>
-            <p:cNvSpPr txBox="1"/>
-            <p:nvPr/>
-          </p:nvSpPr>
-          <p:spPr>
-            <a:xfrm>
-              <a:off x="4306343" y="3114194"/>
-              <a:ext cx="2767583" cy="1200329"/>
-            </a:xfrm>
-            <a:prstGeom prst="rect">
-              <a:avLst/>
-            </a:prstGeom>
-            <a:noFill/>
-          </p:spPr>
-          <p:txBody>
-            <a:bodyPr wrap="square">
-              <a:spAutoFit/>
-            </a:bodyPr>
-            <a:lstStyle/>
-            <a:p>
-              <a:pPr algn="ctr"/>
-              <a:r>
-                <a:rPr lang="en-US" altLang="zh-CN" sz="7200" dirty="0">
-                  <a:solidFill>
-                    <a:srgbClr val="1B5FFF"/>
-                  </a:solidFill>
-                  <a:latin typeface="Magneto" panose="04030805050802020D02" pitchFamily="82" charset="0"/>
-                  <a:ea typeface="Cambria" panose="02040503050406030204" pitchFamily="18" charset="0"/>
-                </a:rPr>
-                <a:t>API</a:t>
-              </a:r>
-              <a:endParaRPr lang="zh-CN" altLang="en-US" sz="7200" dirty="0">
-                <a:solidFill>
-                  <a:srgbClr val="1B5FFF"/>
-                </a:solidFill>
-                <a:latin typeface="Magneto" panose="04030805050802020D02" pitchFamily="82" charset="0"/>
-              </a:endParaRPr>
-            </a:p>
-          </p:txBody>
-        </p:sp>
-      </p:grpSp>
-    </p:spTree>
-    <p:extLst>
-      <p:ext uri="{BB962C8B-B14F-4D97-AF65-F5344CB8AC3E}">
-        <p14:creationId xmlns:p14="http://schemas.microsoft.com/office/powerpoint/2010/main" val="953561073"/>
-      </p:ext>
-    </p:extLst>
-  </p:cSld>
-  <p:clrMapOvr>
-    <a:masterClrMapping/>
-  </p:clrMapOvr>
-</p:sld>
-</file>
-
-<file path=ppt/slides/slide5.xml><?xml version="1.0" encoding="utf-8"?>
-<p:sld xmlns:a="http://schemas.openxmlformats.org/drawingml/2006/main" xmlns:r="http://schemas.openxmlformats.org/officeDocument/2006/relationships" xmlns:p="http://schemas.openxmlformats.org/presentationml/2006/main">
-  <p:cSld>
-    <p:spTree>
-      <p:nvGrpSpPr>
-        <p:cNvPr id="1" name=""/>
-        <p:cNvGrpSpPr/>
-        <p:nvPr/>
-      </p:nvGrpSpPr>
-      <p:grpSpPr>
-        <a:xfrm>
-          <a:off x="0" y="0"/>
-          <a:ext cx="0" cy="0"/>
-          <a:chOff x="0" y="0"/>
-          <a:chExt cx="0" cy="0"/>
-        </a:xfrm>
-      </p:grpSpPr>
       <p:grpSp>
         <p:nvGrpSpPr>
           <p:cNvPr id="11" name="Group 10">
@@ -4521,7 +3594,7 @@
         </p:nvGrpSpPr>
         <p:grpSpPr>
           <a:xfrm>
-            <a:off x="6355211" y="2396918"/>
+            <a:off x="6436999" y="2760712"/>
             <a:ext cx="2767583" cy="1544434"/>
             <a:chOff x="4237653" y="1540269"/>
             <a:chExt cx="2767583" cy="1544434"/>
@@ -4861,6 +3934,35 @@
           </p:spPr>
         </p:pic>
       </p:grpSp>
+      <p:pic>
+        <p:nvPicPr>
+          <p:cNvPr id="2" name="Picture 1">
+            <a:extLst>
+              <a:ext uri="{FF2B5EF4-FFF2-40B4-BE49-F238E27FC236}">
+                <a16:creationId xmlns:a16="http://schemas.microsoft.com/office/drawing/2014/main" id="{C9DCB1E9-09A3-8D4B-64FA-F2B012A0A831}"/>
+              </a:ext>
+            </a:extLst>
+          </p:cNvPr>
+          <p:cNvPicPr>
+            <a:picLocks noChangeAspect="1"/>
+          </p:cNvPicPr>
+          <p:nvPr/>
+        </p:nvPicPr>
+        <p:blipFill>
+          <a:blip r:embed="rId6"/>
+          <a:srcRect l="12793" t="-18557" r="12793" b="5475"/>
+          <a:stretch/>
+        </p:blipFill>
+        <p:spPr>
+          <a:xfrm>
+            <a:off x="6518787" y="3925448"/>
+            <a:ext cx="2604008" cy="2302632"/>
+          </a:xfrm>
+          <a:prstGeom prst="rect">
+            <a:avLst/>
+          </a:prstGeom>
+        </p:spPr>
+      </p:pic>
     </p:spTree>
     <p:extLst>
       <p:ext uri="{BB962C8B-B14F-4D97-AF65-F5344CB8AC3E}">
